--- a/apiNode Aula2.pptx
+++ b/apiNode Aula2.pptx
@@ -329,7 +329,7 @@
           <a:p>
             <a:fld id="{00A57655-0C2B-485C-BF97-F1673F337735}" type="datetimeFigureOut">
               <a:rPr lang="pt-BR" smtClean="0"/>
-              <a:t>13/09/2024</a:t>
+              <a:t>22/10/2024</a:t>
             </a:fld>
             <a:endParaRPr lang="pt-BR"/>
           </a:p>
@@ -499,7 +499,7 @@
           <a:p>
             <a:fld id="{00A57655-0C2B-485C-BF97-F1673F337735}" type="datetimeFigureOut">
               <a:rPr lang="pt-BR" smtClean="0"/>
-              <a:t>13/09/2024</a:t>
+              <a:t>22/10/2024</a:t>
             </a:fld>
             <a:endParaRPr lang="pt-BR"/>
           </a:p>
@@ -679,7 +679,7 @@
           <a:p>
             <a:fld id="{00A57655-0C2B-485C-BF97-F1673F337735}" type="datetimeFigureOut">
               <a:rPr lang="pt-BR" smtClean="0"/>
-              <a:t>13/09/2024</a:t>
+              <a:t>22/10/2024</a:t>
             </a:fld>
             <a:endParaRPr lang="pt-BR"/>
           </a:p>
@@ -849,7 +849,7 @@
           <a:p>
             <a:fld id="{00A57655-0C2B-485C-BF97-F1673F337735}" type="datetimeFigureOut">
               <a:rPr lang="pt-BR" smtClean="0"/>
-              <a:t>13/09/2024</a:t>
+              <a:t>22/10/2024</a:t>
             </a:fld>
             <a:endParaRPr lang="pt-BR"/>
           </a:p>
@@ -1095,7 +1095,7 @@
           <a:p>
             <a:fld id="{00A57655-0C2B-485C-BF97-F1673F337735}" type="datetimeFigureOut">
               <a:rPr lang="pt-BR" smtClean="0"/>
-              <a:t>13/09/2024</a:t>
+              <a:t>22/10/2024</a:t>
             </a:fld>
             <a:endParaRPr lang="pt-BR"/>
           </a:p>
@@ -1383,7 +1383,7 @@
           <a:p>
             <a:fld id="{00A57655-0C2B-485C-BF97-F1673F337735}" type="datetimeFigureOut">
               <a:rPr lang="pt-BR" smtClean="0"/>
-              <a:t>13/09/2024</a:t>
+              <a:t>22/10/2024</a:t>
             </a:fld>
             <a:endParaRPr lang="pt-BR"/>
           </a:p>
@@ -1805,7 +1805,7 @@
           <a:p>
             <a:fld id="{00A57655-0C2B-485C-BF97-F1673F337735}" type="datetimeFigureOut">
               <a:rPr lang="pt-BR" smtClean="0"/>
-              <a:t>13/09/2024</a:t>
+              <a:t>22/10/2024</a:t>
             </a:fld>
             <a:endParaRPr lang="pt-BR"/>
           </a:p>
@@ -1923,7 +1923,7 @@
           <a:p>
             <a:fld id="{00A57655-0C2B-485C-BF97-F1673F337735}" type="datetimeFigureOut">
               <a:rPr lang="pt-BR" smtClean="0"/>
-              <a:t>13/09/2024</a:t>
+              <a:t>22/10/2024</a:t>
             </a:fld>
             <a:endParaRPr lang="pt-BR"/>
           </a:p>
@@ -2018,7 +2018,7 @@
           <a:p>
             <a:fld id="{00A57655-0C2B-485C-BF97-F1673F337735}" type="datetimeFigureOut">
               <a:rPr lang="pt-BR" smtClean="0"/>
-              <a:t>13/09/2024</a:t>
+              <a:t>22/10/2024</a:t>
             </a:fld>
             <a:endParaRPr lang="pt-BR"/>
           </a:p>
@@ -2295,7 +2295,7 @@
           <a:p>
             <a:fld id="{00A57655-0C2B-485C-BF97-F1673F337735}" type="datetimeFigureOut">
               <a:rPr lang="pt-BR" smtClean="0"/>
-              <a:t>13/09/2024</a:t>
+              <a:t>22/10/2024</a:t>
             </a:fld>
             <a:endParaRPr lang="pt-BR"/>
           </a:p>
@@ -2548,7 +2548,7 @@
           <a:p>
             <a:fld id="{00A57655-0C2B-485C-BF97-F1673F337735}" type="datetimeFigureOut">
               <a:rPr lang="pt-BR" smtClean="0"/>
-              <a:t>13/09/2024</a:t>
+              <a:t>22/10/2024</a:t>
             </a:fld>
             <a:endParaRPr lang="pt-BR"/>
           </a:p>
@@ -2761,7 +2761,7 @@
           <a:p>
             <a:fld id="{00A57655-0C2B-485C-BF97-F1673F337735}" type="datetimeFigureOut">
               <a:rPr lang="pt-BR" smtClean="0"/>
-              <a:t>13/09/2024</a:t>
+              <a:t>22/10/2024</a:t>
             </a:fld>
             <a:endParaRPr lang="pt-BR"/>
           </a:p>
@@ -3850,12 +3850,12 @@
               <a:t>1- Inserir um novo </a:t>
             </a:r>
             <a:r>
-              <a:rPr lang="pt-BR" dirty="0" err="1" smtClean="0"/>
-              <a:t>usuario</a:t>
-            </a:r>
-            <a:r>
-              <a:rPr lang="pt-BR" dirty="0" smtClean="0"/>
-              <a:t> via </a:t>
+              <a:rPr lang="pt-BR" dirty="0" smtClean="0"/>
+              <a:t>usuário </a:t>
+            </a:r>
+            <a:r>
+              <a:rPr lang="pt-BR" dirty="0" smtClean="0"/>
+              <a:t>via </a:t>
             </a:r>
             <a:r>
               <a:rPr lang="pt-BR" dirty="0" err="1" smtClean="0"/>
@@ -3875,12 +3875,12 @@
               <a:t>2- Resgatar o </a:t>
             </a:r>
             <a:r>
-              <a:rPr lang="pt-BR" dirty="0" err="1" smtClean="0"/>
-              <a:t>usuario</a:t>
-            </a:r>
-            <a:r>
-              <a:rPr lang="pt-BR" dirty="0" smtClean="0"/>
-              <a:t> cadastro via rota GET</a:t>
+              <a:rPr lang="pt-BR" dirty="0" smtClean="0"/>
+              <a:t>usuário </a:t>
+            </a:r>
+            <a:r>
+              <a:rPr lang="pt-BR" dirty="0" smtClean="0"/>
+              <a:t>cadastro via rota GET</a:t>
             </a:r>
           </a:p>
           <a:p>
